--- a/docs/Poster_RURS.pptx
+++ b/docs/Poster_RURS.pptx
@@ -200,7 +200,7 @@
           <a:p>
             <a:fld id="{EA649878-1B74-3C4E-A67D-8EF0F7B97AD4}" type="datetimeFigureOut">
               <a:rPr lang="en-US" smtClean="0"/>
-              <a:t>4/8/19</a:t>
+              <a:t>4/9/19</a:t>
             </a:fld>
             <a:endParaRPr lang="en-US"/>
           </a:p>
@@ -791,7 +791,7 @@
           <a:p>
             <a:fld id="{56E0F1B8-B45C-4B40-BF3C-F35012937061}" type="datetimeFigureOut">
               <a:rPr lang="en-US" smtClean="0"/>
-              <a:t>4/8/19</a:t>
+              <a:t>4/9/19</a:t>
             </a:fld>
             <a:endParaRPr lang="en-US"/>
           </a:p>
@@ -961,7 +961,7 @@
           <a:p>
             <a:fld id="{56E0F1B8-B45C-4B40-BF3C-F35012937061}" type="datetimeFigureOut">
               <a:rPr lang="en-US" smtClean="0"/>
-              <a:t>4/8/19</a:t>
+              <a:t>4/9/19</a:t>
             </a:fld>
             <a:endParaRPr lang="en-US"/>
           </a:p>
@@ -1141,7 +1141,7 @@
           <a:p>
             <a:fld id="{56E0F1B8-B45C-4B40-BF3C-F35012937061}" type="datetimeFigureOut">
               <a:rPr lang="en-US" smtClean="0"/>
-              <a:t>4/8/19</a:t>
+              <a:t>4/9/19</a:t>
             </a:fld>
             <a:endParaRPr lang="en-US"/>
           </a:p>
@@ -1311,7 +1311,7 @@
           <a:p>
             <a:fld id="{56E0F1B8-B45C-4B40-BF3C-F35012937061}" type="datetimeFigureOut">
               <a:rPr lang="en-US" smtClean="0"/>
-              <a:t>4/8/19</a:t>
+              <a:t>4/9/19</a:t>
             </a:fld>
             <a:endParaRPr lang="en-US"/>
           </a:p>
@@ -1555,7 +1555,7 @@
           <a:p>
             <a:fld id="{56E0F1B8-B45C-4B40-BF3C-F35012937061}" type="datetimeFigureOut">
               <a:rPr lang="en-US" smtClean="0"/>
-              <a:t>4/8/19</a:t>
+              <a:t>4/9/19</a:t>
             </a:fld>
             <a:endParaRPr lang="en-US"/>
           </a:p>
@@ -1787,7 +1787,7 @@
           <a:p>
             <a:fld id="{56E0F1B8-B45C-4B40-BF3C-F35012937061}" type="datetimeFigureOut">
               <a:rPr lang="en-US" smtClean="0"/>
-              <a:t>4/8/19</a:t>
+              <a:t>4/9/19</a:t>
             </a:fld>
             <a:endParaRPr lang="en-US"/>
           </a:p>
@@ -2154,7 +2154,7 @@
           <a:p>
             <a:fld id="{56E0F1B8-B45C-4B40-BF3C-F35012937061}" type="datetimeFigureOut">
               <a:rPr lang="en-US" smtClean="0"/>
-              <a:t>4/8/19</a:t>
+              <a:t>4/9/19</a:t>
             </a:fld>
             <a:endParaRPr lang="en-US"/>
           </a:p>
@@ -2272,7 +2272,7 @@
           <a:p>
             <a:fld id="{56E0F1B8-B45C-4B40-BF3C-F35012937061}" type="datetimeFigureOut">
               <a:rPr lang="en-US" smtClean="0"/>
-              <a:t>4/8/19</a:t>
+              <a:t>4/9/19</a:t>
             </a:fld>
             <a:endParaRPr lang="en-US"/>
           </a:p>
@@ -2367,7 +2367,7 @@
           <a:p>
             <a:fld id="{56E0F1B8-B45C-4B40-BF3C-F35012937061}" type="datetimeFigureOut">
               <a:rPr lang="en-US" smtClean="0"/>
-              <a:t>4/8/19</a:t>
+              <a:t>4/9/19</a:t>
             </a:fld>
             <a:endParaRPr lang="en-US"/>
           </a:p>
@@ -2644,7 +2644,7 @@
           <a:p>
             <a:fld id="{56E0F1B8-B45C-4B40-BF3C-F35012937061}" type="datetimeFigureOut">
               <a:rPr lang="en-US" smtClean="0"/>
-              <a:t>4/8/19</a:t>
+              <a:t>4/9/19</a:t>
             </a:fld>
             <a:endParaRPr lang="en-US"/>
           </a:p>
@@ -2901,7 +2901,7 @@
           <a:p>
             <a:fld id="{56E0F1B8-B45C-4B40-BF3C-F35012937061}" type="datetimeFigureOut">
               <a:rPr lang="en-US" smtClean="0"/>
-              <a:t>4/8/19</a:t>
+              <a:t>4/9/19</a:t>
             </a:fld>
             <a:endParaRPr lang="en-US"/>
           </a:p>
@@ -3114,7 +3114,7 @@
           <a:p>
             <a:fld id="{56E0F1B8-B45C-4B40-BF3C-F35012937061}" type="datetimeFigureOut">
               <a:rPr lang="en-US" smtClean="0"/>
-              <a:t>4/8/19</a:t>
+              <a:t>4/9/19</a:t>
             </a:fld>
             <a:endParaRPr lang="en-US"/>
           </a:p>
@@ -3519,6 +3519,411 @@
           <a:chExt cx="0" cy="0"/>
         </a:xfrm>
       </p:grpSpPr>
+      <mc:AlternateContent xmlns:mc="http://schemas.openxmlformats.org/markup-compatibility/2006">
+        <mc:Choice xmlns:a14="http://schemas.microsoft.com/office/drawing/2010/main" Requires="a14">
+          <p:sp>
+            <p:nvSpPr>
+              <p:cNvPr id="26" name="TextBox 25"/>
+              <p:cNvSpPr txBox="1"/>
+              <p:nvPr/>
+            </p:nvSpPr>
+            <p:spPr>
+              <a:xfrm>
+                <a:off x="31206786" y="4718476"/>
+                <a:ext cx="12186133" cy="14094821"/>
+              </a:xfrm>
+              <a:prstGeom prst="rect">
+                <a:avLst/>
+              </a:prstGeom>
+              <a:noFill/>
+            </p:spPr>
+            <p:txBody>
+              <a:bodyPr wrap="square" rtlCol="0">
+                <a:spAutoFit/>
+              </a:bodyPr>
+              <a:lstStyle/>
+              <a:p>
+                <a:r>
+                  <a:rPr lang="en-US" sz="4000" dirty="0" smtClean="0"/>
+                  <a:t>Unfortunately, due to time and budget constraints benchmark tests on CIFAR-10, CIFAR-100, and Image-Net datasets have not been preformed.</a:t>
+                </a:r>
+              </a:p>
+              <a:p>
+                <a:r>
+                  <a:rPr lang="en-US" sz="4000" dirty="0"/>
+                  <a:t>Tests will be completed by Fall 2019. </a:t>
+                </a:r>
+                <a:endParaRPr lang="en-US" sz="4000" dirty="0" smtClean="0"/>
+              </a:p>
+              <a:p>
+                <a:pPr marL="571500" indent="-571500">
+                  <a:buFont typeface="Arial" charset="0"/>
+                  <a:buChar char="•"/>
+                </a:pPr>
+                <a:r>
+                  <a:rPr lang="en-US" sz="4000" dirty="0" smtClean="0"/>
+                  <a:t>Theoretical Speed with efficient </a:t>
+                </a:r>
+                <a:r>
+                  <a:rPr lang="en-US" sz="4000" dirty="0" smtClean="0"/>
+                  <a:t>communication</a:t>
+                </a:r>
+                <a:endParaRPr lang="en-US" sz="4000" dirty="0" smtClean="0"/>
+              </a:p>
+              <a:p>
+                <a:pPr/>
+                <a14:m>
+                  <m:oMathPara xmlns:m="http://schemas.openxmlformats.org/officeDocument/2006/math">
+                    <m:oMathParaPr>
+                      <m:jc m:val="centerGroup"/>
+                    </m:oMathParaPr>
+                    <m:oMath xmlns:m="http://schemas.openxmlformats.org/officeDocument/2006/math">
+                      <m:r>
+                        <a:rPr lang="en-US" sz="4000" i="1" smtClean="0">
+                          <a:latin typeface="Cambria Math" charset="0"/>
+                          <a:ea typeface="Cambria Math" charset="0"/>
+                          <a:cs typeface="Cambria Math" charset="0"/>
+                        </a:rPr>
+                        <m:t>≈</m:t>
+                      </m:r>
+                      <m:f>
+                        <m:fPr>
+                          <m:ctrlPr>
+                            <a:rPr lang="bg-BG" sz="4000" i="1" smtClean="0">
+                              <a:latin typeface="Cambria Math" charset="0"/>
+                            </a:rPr>
+                          </m:ctrlPr>
+                        </m:fPr>
+                        <m:num>
+                          <m:r>
+                            <a:rPr lang="en-US" sz="4000" b="0" i="1" smtClean="0">
+                              <a:latin typeface="Cambria Math" charset="0"/>
+                            </a:rPr>
+                            <m:t>𝑀𝑁</m:t>
+                          </m:r>
+                        </m:num>
+                        <m:den>
+                          <m:r>
+                            <a:rPr lang="en-US" sz="4000" b="0" i="1" smtClean="0">
+                              <a:latin typeface="Cambria Math" charset="0"/>
+                            </a:rPr>
+                            <m:t>𝑀</m:t>
+                          </m:r>
+                          <m:r>
+                            <a:rPr lang="en-US" sz="4000" b="0" i="1" smtClean="0">
+                              <a:latin typeface="Cambria Math" charset="0"/>
+                            </a:rPr>
+                            <m:t>+</m:t>
+                          </m:r>
+                          <m:func>
+                            <m:funcPr>
+                              <m:ctrlPr>
+                                <a:rPr lang="en-US" sz="4000" b="0" i="1" smtClean="0">
+                                  <a:latin typeface="Cambria Math" charset="0"/>
+                                </a:rPr>
+                              </m:ctrlPr>
+                            </m:funcPr>
+                            <m:fName>
+                              <m:sSub>
+                                <m:sSubPr>
+                                  <m:ctrlPr>
+                                    <a:rPr lang="en-US" sz="4000" b="0" i="1" smtClean="0">
+                                      <a:latin typeface="Cambria Math" charset="0"/>
+                                    </a:rPr>
+                                  </m:ctrlPr>
+                                </m:sSubPr>
+                                <m:e>
+                                  <m:d>
+                                    <m:dPr>
+                                      <m:ctrlPr>
+                                        <a:rPr lang="en-US" sz="4000" b="0" i="1" smtClean="0">
+                                          <a:latin typeface="Cambria Math" charset="0"/>
+                                        </a:rPr>
+                                      </m:ctrlPr>
+                                    </m:dPr>
+                                    <m:e>
+                                      <m:r>
+                                        <m:rPr>
+                                          <m:sty m:val="p"/>
+                                        </m:rPr>
+                                        <a:rPr lang="en-US" sz="4000" b="0" i="0" smtClean="0">
+                                          <a:latin typeface="Cambria Math" charset="0"/>
+                                        </a:rPr>
+                                        <m:t>N</m:t>
+                                      </m:r>
+                                      <m:r>
+                                        <a:rPr lang="en-US" sz="4000" b="0" i="0" smtClean="0">
+                                          <a:latin typeface="Cambria Math" charset="0"/>
+                                        </a:rPr>
+                                        <m:t>−</m:t>
+                                      </m:r>
+                                      <m:r>
+                                        <a:rPr lang="en-US" sz="4000" b="0" i="1" smtClean="0">
+                                          <a:latin typeface="Cambria Math" charset="0"/>
+                                        </a:rPr>
+                                        <m:t>1</m:t>
+                                      </m:r>
+                                    </m:e>
+                                  </m:d>
+                                  <m:r>
+                                    <m:rPr>
+                                      <m:sty m:val="p"/>
+                                    </m:rPr>
+                                    <a:rPr lang="en-US" sz="4000" b="0" i="0" smtClean="0">
+                                      <a:latin typeface="Cambria Math" charset="0"/>
+                                    </a:rPr>
+                                    <m:t>log</m:t>
+                                  </m:r>
+                                </m:e>
+                                <m:sub>
+                                  <m:r>
+                                    <a:rPr lang="en-US" sz="4000" b="0" i="1" smtClean="0">
+                                      <a:latin typeface="Cambria Math" charset="0"/>
+                                    </a:rPr>
+                                    <m:t>2</m:t>
+                                  </m:r>
+                                </m:sub>
+                              </m:sSub>
+                            </m:fName>
+                            <m:e>
+                              <m:r>
+                                <a:rPr lang="en-US" sz="4000" b="0" i="1" smtClean="0">
+                                  <a:latin typeface="Cambria Math" charset="0"/>
+                                </a:rPr>
+                                <m:t>𝑁</m:t>
+                              </m:r>
+                            </m:e>
+                          </m:func>
+                        </m:den>
+                      </m:f>
+                      <m:r>
+                        <a:rPr lang="en-US" sz="4000" b="0" i="1" smtClean="0">
+                          <a:latin typeface="Cambria Math" charset="0"/>
+                        </a:rPr>
+                        <m:t>, </m:t>
+                      </m:r>
+                      <m:r>
+                        <a:rPr lang="en-US" sz="4000" b="0" i="1" smtClean="0">
+                          <a:latin typeface="Cambria Math" charset="0"/>
+                        </a:rPr>
+                        <m:t>𝑁</m:t>
+                      </m:r>
+                      <m:r>
+                        <a:rPr lang="en-US" sz="4000" b="0" i="1" smtClean="0">
+                          <a:latin typeface="Cambria Math" charset="0"/>
+                        </a:rPr>
+                        <m:t>&lt;</m:t>
+                      </m:r>
+                      <m:func>
+                        <m:funcPr>
+                          <m:ctrlPr>
+                            <a:rPr lang="en-US" sz="4000" b="0" i="1" smtClean="0">
+                              <a:latin typeface="Cambria Math" charset="0"/>
+                            </a:rPr>
+                          </m:ctrlPr>
+                        </m:funcPr>
+                        <m:fName>
+                          <m:sSub>
+                            <m:sSubPr>
+                              <m:ctrlPr>
+                                <a:rPr lang="en-US" sz="4000" b="0" i="1" smtClean="0">
+                                  <a:latin typeface="Cambria Math" charset="0"/>
+                                </a:rPr>
+                              </m:ctrlPr>
+                            </m:sSubPr>
+                            <m:e>
+                              <m:r>
+                                <m:rPr>
+                                  <m:sty m:val="p"/>
+                                </m:rPr>
+                                <a:rPr lang="en-US" sz="4000" b="0" i="0" smtClean="0">
+                                  <a:latin typeface="Cambria Math" charset="0"/>
+                                </a:rPr>
+                                <m:t>log</m:t>
+                              </m:r>
+                            </m:e>
+                            <m:sub>
+                              <m:r>
+                                <a:rPr lang="en-US" sz="4000" b="0" i="1" smtClean="0">
+                                  <a:latin typeface="Cambria Math" charset="0"/>
+                                </a:rPr>
+                                <m:t>2</m:t>
+                              </m:r>
+                            </m:sub>
+                          </m:sSub>
+                        </m:fName>
+                        <m:e>
+                          <m:r>
+                            <a:rPr lang="en-US" sz="4000" b="0" i="1" smtClean="0">
+                              <a:latin typeface="Cambria Math" charset="0"/>
+                            </a:rPr>
+                            <m:t>𝑀</m:t>
+                          </m:r>
+                        </m:e>
+                      </m:func>
+                    </m:oMath>
+                  </m:oMathPara>
+                </a14:m>
+                <a:endParaRPr lang="en-US" sz="4000" dirty="0" smtClean="0"/>
+              </a:p>
+              <a:p>
+                <a:pPr algn="r"/>
+                <a:r>
+                  <a:rPr lang="en-US" sz="2800" dirty="0" smtClean="0"/>
+                  <a:t>Where N is the number of GPUs and M is the number of layers </a:t>
+                </a:r>
+              </a:p>
+              <a:p>
+                <a:pPr marL="571500" indent="-571500">
+                  <a:buFont typeface="Arial" charset="0"/>
+                  <a:buChar char="•"/>
+                </a:pPr>
+                <a:endParaRPr lang="en-US" sz="4000" dirty="0" smtClean="0"/>
+              </a:p>
+              <a:p>
+                <a:pPr marL="571500" indent="-571500">
+                  <a:buFont typeface="Arial" charset="0"/>
+                  <a:buChar char="•"/>
+                </a:pPr>
+                <a:endParaRPr lang="en-US" sz="4000" dirty="0"/>
+              </a:p>
+              <a:p>
+                <a:pPr marL="571500" indent="-571500">
+                  <a:buFont typeface="Arial" charset="0"/>
+                  <a:buChar char="•"/>
+                </a:pPr>
+                <a:endParaRPr lang="en-US" sz="4000" dirty="0" smtClean="0"/>
+              </a:p>
+              <a:p>
+                <a:pPr marL="571500" indent="-571500">
+                  <a:buFont typeface="Arial" charset="0"/>
+                  <a:buChar char="•"/>
+                </a:pPr>
+                <a:endParaRPr lang="en-US" sz="4000" dirty="0"/>
+              </a:p>
+              <a:p>
+                <a:pPr marL="571500" indent="-571500">
+                  <a:buFont typeface="Arial" charset="0"/>
+                  <a:buChar char="•"/>
+                </a:pPr>
+                <a:endParaRPr lang="en-US" sz="4000" dirty="0" smtClean="0"/>
+              </a:p>
+              <a:p>
+                <a:pPr marL="571500" indent="-571500">
+                  <a:buFont typeface="Arial" charset="0"/>
+                  <a:buChar char="•"/>
+                </a:pPr>
+                <a:endParaRPr lang="en-US" sz="4000" dirty="0"/>
+              </a:p>
+              <a:p>
+                <a:pPr marL="571500" indent="-571500">
+                  <a:buFont typeface="Arial" charset="0"/>
+                  <a:buChar char="•"/>
+                </a:pPr>
+                <a:endParaRPr lang="en-US" sz="4000" dirty="0" smtClean="0"/>
+              </a:p>
+              <a:p>
+                <a:pPr marL="571500" indent="-571500">
+                  <a:buFont typeface="Arial" charset="0"/>
+                  <a:buChar char="•"/>
+                </a:pPr>
+                <a:endParaRPr lang="en-US" sz="4000" dirty="0"/>
+              </a:p>
+              <a:p>
+                <a:pPr marL="571500" indent="-571500">
+                  <a:buFont typeface="Arial" charset="0"/>
+                  <a:buChar char="•"/>
+                </a:pPr>
+                <a:endParaRPr lang="en-US" sz="4000" dirty="0" smtClean="0"/>
+              </a:p>
+              <a:p>
+                <a:pPr marL="571500" indent="-571500">
+                  <a:buFont typeface="Arial" charset="0"/>
+                  <a:buChar char="•"/>
+                </a:pPr>
+                <a:r>
+                  <a:rPr lang="en-US" sz="4000" dirty="0" smtClean="0"/>
+                  <a:t>Promising </a:t>
+                </a:r>
+                <a:r>
+                  <a:rPr lang="en-US" sz="4000" dirty="0" smtClean="0"/>
+                  <a:t>results are expected because of the distributed communication. Each Array-Weave operator only needs to communicate with the two threads being combined. Conventional Parallel methods require communication overall threads.</a:t>
+                </a:r>
+              </a:p>
+              <a:p>
+                <a:endParaRPr lang="en-US" sz="4000" dirty="0" smtClean="0"/>
+              </a:p>
+            </p:txBody>
+          </p:sp>
+        </mc:Choice>
+        <mc:Fallback>
+          <p:sp>
+            <p:nvSpPr>
+              <p:cNvPr id="26" name="TextBox 25"/>
+              <p:cNvSpPr txBox="1">
+                <a:spLocks noRot="1" noChangeAspect="1" noMove="1" noResize="1" noEditPoints="1" noAdjustHandles="1" noChangeArrowheads="1" noChangeShapeType="1" noTextEdit="1"/>
+              </p:cNvSpPr>
+              <p:nvPr/>
+            </p:nvSpPr>
+            <p:spPr>
+              <a:xfrm>
+                <a:off x="31206786" y="4718476"/>
+                <a:ext cx="12186133" cy="14094821"/>
+              </a:xfrm>
+              <a:prstGeom prst="rect">
+                <a:avLst/>
+              </a:prstGeom>
+              <a:blipFill rotWithShape="0">
+                <a:blip r:embed="rId3"/>
+                <a:stretch>
+                  <a:fillRect l="-1751" t="-779" r="-1751"/>
+                </a:stretch>
+              </a:blipFill>
+            </p:spPr>
+            <p:txBody>
+              <a:bodyPr/>
+              <a:lstStyle/>
+              <a:p>
+                <a:r>
+                  <a:rPr lang="en-US">
+                    <a:noFill/>
+                  </a:rPr>
+                  <a:t> </a:t>
+                </a:r>
+              </a:p>
+            </p:txBody>
+          </p:sp>
+        </mc:Fallback>
+      </mc:AlternateContent>
+      <p:pic>
+        <p:nvPicPr>
+          <p:cNvPr id="2" name="Picture 1"/>
+          <p:cNvPicPr>
+            <a:picLocks noChangeAspect="1"/>
+          </p:cNvPicPr>
+          <p:nvPr/>
+        </p:nvPicPr>
+        <p:blipFill rotWithShape="1">
+          <a:blip r:embed="rId4">
+            <a:extLst>
+              <a:ext uri="{28A0092B-C50C-407E-A947-70E740481C1C}">
+                <a14:useLocalDpi xmlns:a14="http://schemas.microsoft.com/office/drawing/2010/main" val="0"/>
+              </a:ext>
+            </a:extLst>
+          </a:blip>
+          <a:srcRect l="26704" t="5232" r="10796" b="32273"/>
+          <a:stretch/>
+        </p:blipFill>
+        <p:spPr>
+          <a:xfrm>
+            <a:off x="31976788" y="9460199"/>
+            <a:ext cx="9954984" cy="5429991"/>
+          </a:xfrm>
+          <a:prstGeom prst="rect">
+            <a:avLst/>
+          </a:prstGeom>
+        </p:spPr>
+      </p:pic>
       <p:pic>
         <p:nvPicPr>
           <p:cNvPr id="10" name="Picture 9"/>
@@ -3528,7 +3933,7 @@
           <p:nvPr/>
         </p:nvPicPr>
         <p:blipFill>
-          <a:blip r:embed="rId3">
+          <a:blip r:embed="rId5">
             <a:extLst>
               <a:ext uri="{28A0092B-C50C-407E-A947-70E740481C1C}">
                 <a14:useLocalDpi xmlns:a14="http://schemas.microsoft.com/office/drawing/2010/main" val="0"/>
@@ -3558,7 +3963,7 @@
           <p:nvPr/>
         </p:nvPicPr>
         <p:blipFill>
-          <a:blip r:embed="rId4">
+          <a:blip r:embed="rId6">
             <a:extLst>
               <a:ext uri="{28A0092B-C50C-407E-A947-70E740481C1C}">
                 <a14:useLocalDpi xmlns:a14="http://schemas.microsoft.com/office/drawing/2010/main" val="0"/>
@@ -3571,7 +3976,7 @@
         </p:blipFill>
         <p:spPr>
           <a:xfrm>
-            <a:off x="333681" y="10399144"/>
+            <a:off x="333681" y="10314084"/>
             <a:ext cx="5673217" cy="5035125"/>
           </a:xfrm>
           <a:prstGeom prst="rect">
@@ -3647,19 +4052,7 @@
                 <a:ea typeface="Arial Rounded MT Bold" charset="0"/>
                 <a:cs typeface="Arial Rounded MT Bold" charset="0"/>
               </a:rPr>
-              <a:t>Human </a:t>
-            </a:r>
-            <a:r>
-              <a:rPr lang="en-US" sz="9600" dirty="0" smtClean="0">
-                <a:solidFill>
-                  <a:schemeClr val="bg2">
-                    <a:lumMod val="50000"/>
-                  </a:schemeClr>
-                </a:solidFill>
-                <a:ea typeface="Arial Rounded MT Bold" charset="0"/>
-                <a:cs typeface="Arial Rounded MT Bold" charset="0"/>
-              </a:rPr>
-              <a:t>Intuition and Peripheral Vision</a:t>
+              <a:t>Human Intuition and Peripheral Vision</a:t>
             </a:r>
             <a:endParaRPr lang="en-US" sz="9600" dirty="0">
               <a:solidFill>
@@ -3705,25 +4098,20 @@
             </a:r>
             <a:r>
               <a:rPr lang="en-US" sz="4800" dirty="0" smtClean="0"/>
-              <a:t> </a:t>
+              <a:t> - Department of Computers </a:t>
             </a:r>
             <a:r>
               <a:rPr lang="en-US" sz="4800" dirty="0" smtClean="0"/>
-              <a:t>- </a:t>
+              <a:t>Science </a:t>
             </a:r>
             <a:r>
               <a:rPr lang="en-US" sz="4800" dirty="0" smtClean="0"/>
-              <a:t>Department</a:t>
-            </a:r>
-            <a:r>
-              <a:rPr lang="en-US" sz="4800" dirty="0" smtClean="0"/>
-              <a:t> of Computers Science (tan3@rice.edu)</a:t>
+              <a:t>(tan3@rice.edu)</a:t>
             </a:r>
             <a:r>
               <a:rPr lang="en-US" sz="4800" dirty="0"/>
               <a:t>	</a:t>
             </a:r>
-            <a:endParaRPr lang="en-US" sz="4800" dirty="0"/>
           </a:p>
         </p:txBody>
       </p:sp>
@@ -3841,25 +4229,8 @@
             </a:r>
             <a:r>
               <a:rPr lang="en-US" sz="4000" dirty="0" smtClean="0"/>
-              <a:t>ision </a:t>
+              <a:t>ision and machine learning</a:t>
             </a:r>
-            <a:r>
-              <a:rPr lang="en-US" sz="4000" dirty="0" smtClean="0"/>
-              <a:t>and </a:t>
-            </a:r>
-            <a:r>
-              <a:rPr lang="en-US" sz="4000" dirty="0" smtClean="0"/>
-              <a:t>machine </a:t>
-            </a:r>
-            <a:r>
-              <a:rPr lang="en-US" sz="4000" dirty="0" smtClean="0"/>
-              <a:t>l</a:t>
-            </a:r>
-            <a:r>
-              <a:rPr lang="en-US" sz="4000" dirty="0" smtClean="0"/>
-              <a:t>earning</a:t>
-            </a:r>
-            <a:endParaRPr lang="en-US" sz="4000" dirty="0" smtClean="0"/>
           </a:p>
           <a:p>
             <a:pPr marL="571500" indent="-571500">
@@ -3868,8 +4239,13 @@
             </a:pPr>
             <a:r>
               <a:rPr lang="en-US" sz="4000" dirty="0" smtClean="0"/>
-              <a:t>Convolution is a costly operation that is hard to parallelize when compared to its predecessor, matrix-vector multiplication.</a:t>
+              <a:t>Convolution is a costly operation that is hard to parallelize when compared to its predecessor, matrix-vector </a:t>
             </a:r>
+            <a:r>
+              <a:rPr lang="en-US" sz="4000" dirty="0" smtClean="0"/>
+              <a:t>multiplication</a:t>
+            </a:r>
+            <a:endParaRPr lang="en-US" sz="4000" dirty="0" smtClean="0"/>
           </a:p>
           <a:p>
             <a:pPr marL="571500" indent="-571500">
@@ -3878,7 +4254,15 @@
             </a:pPr>
             <a:r>
               <a:rPr lang="en-US" sz="4000" dirty="0" smtClean="0"/>
-              <a:t>Current approaches to speed up convolution either require significant communication times and are disjointed and relatively inefficient</a:t>
+              <a:t>Current approaches to speed up convolution either require significant communication times </a:t>
+            </a:r>
+            <a:r>
+              <a:rPr lang="en-US" sz="4000" dirty="0" smtClean="0"/>
+              <a:t>or are </a:t>
+            </a:r>
+            <a:r>
+              <a:rPr lang="en-US" sz="4000" dirty="0" smtClean="0"/>
+              <a:t>disjointed and relatively inefficient</a:t>
             </a:r>
             <a:endParaRPr lang="en-US" dirty="0"/>
           </a:p>
@@ -3954,13 +4338,8 @@
             <a:pPr algn="ctr"/>
             <a:r>
               <a:rPr lang="en-US" sz="4000" dirty="0" smtClean="0"/>
-              <a:t>(And how can we teach computers to be Human</a:t>
+              <a:t>(And how can we teach computers to be Human?)</a:t>
             </a:r>
-            <a:r>
-              <a:rPr lang="en-US" sz="4000" dirty="0" smtClean="0"/>
-              <a:t>?)</a:t>
-            </a:r>
-            <a:endParaRPr lang="en-US" sz="4000" dirty="0" smtClean="0"/>
           </a:p>
         </p:txBody>
       </p:sp>
@@ -3992,19 +4371,7 @@
             </a:pPr>
             <a:r>
               <a:rPr lang="en-US" sz="4000" dirty="0" smtClean="0"/>
-              <a:t>Studies have </a:t>
-            </a:r>
-            <a:r>
-              <a:rPr lang="en-US" sz="4000" dirty="0" smtClean="0"/>
-              <a:t>shown </a:t>
-            </a:r>
-            <a:r>
-              <a:rPr lang="en-US" sz="4000" dirty="0" smtClean="0"/>
-              <a:t>that humans recognize objects by detecting the object’s </a:t>
-            </a:r>
-            <a:r>
-              <a:rPr lang="en-US" sz="4000" dirty="0" smtClean="0"/>
-              <a:t>features</a:t>
+              <a:t>Studies have shown that humans recognize objects by detecting the object’s features</a:t>
             </a:r>
             <a:r>
               <a:rPr lang="en-US" sz="4000" baseline="30000" dirty="0" smtClean="0"/>
@@ -4078,8 +4445,13 @@
             </a:pPr>
             <a:r>
               <a:rPr lang="en-US" sz="4000" dirty="0" smtClean="0"/>
-              <a:t>Convolution is essential feature detection where the features are learned by the computer.</a:t>
+              <a:t>Convolution is essential feature detection where the features are learned by the </a:t>
             </a:r>
+            <a:r>
+              <a:rPr lang="en-US" sz="4000" dirty="0" smtClean="0"/>
+              <a:t>computer</a:t>
+            </a:r>
+            <a:endParaRPr lang="en-US" sz="4000" dirty="0" smtClean="0"/>
           </a:p>
           <a:p>
             <a:pPr marL="571500" indent="-571500">
@@ -4154,7 +4526,6 @@
               <a:rPr lang="en-US" sz="6000" dirty="0" smtClean="0"/>
               <a:t>Theoretical Results</a:t>
             </a:r>
-            <a:endParaRPr lang="en-US" sz="6000" dirty="0" smtClean="0"/>
           </a:p>
         </p:txBody>
       </p:sp>
@@ -4201,7 +4572,7 @@
         </p:nvSpPr>
         <p:spPr>
           <a:xfrm>
-            <a:off x="31269042" y="17779924"/>
+            <a:off x="31269042" y="18139151"/>
             <a:ext cx="12186133" cy="1015663"/>
           </a:xfrm>
           <a:prstGeom prst="rect">
@@ -4932,7 +5303,6 @@
               <a:rPr lang="en-US" sz="1500" dirty="0" smtClean="0"/>
               <a:t>Zero-Weave</a:t>
             </a:r>
-            <a:endParaRPr lang="en-US" sz="1500" dirty="0" smtClean="0"/>
           </a:p>
         </p:txBody>
       </p:sp>
@@ -5850,7 +6220,6 @@
               <a:rPr lang="en-US" sz="1500" dirty="0" smtClean="0"/>
               <a:t>Zero-Weave</a:t>
             </a:r>
-            <a:endParaRPr lang="en-US" sz="1500" dirty="0" smtClean="0"/>
           </a:p>
         </p:txBody>
       </p:sp>
@@ -14047,9 +14416,16 @@
             </a:pPr>
             <a:r>
               <a:rPr lang="en-US" sz="4000" dirty="0" smtClean="0"/>
-              <a:t>Gradient Descent methods make sense of Local and Peripheral filters being learned on different images.</a:t>
+              <a:t>Gradient </a:t>
             </a:r>
-            <a:endParaRPr lang="en-US" sz="4000" dirty="0" smtClean="0"/>
+            <a:r>
+              <a:rPr lang="en-US" sz="4000" dirty="0" smtClean="0"/>
+              <a:t>descent </a:t>
+            </a:r>
+            <a:r>
+              <a:rPr lang="en-US" sz="4000" dirty="0" smtClean="0"/>
+              <a:t>methods make sense of Local and Peripheral filters being learned on different images.</a:t>
+            </a:r>
           </a:p>
           <a:p>
             <a:endParaRPr lang="en-US" sz="4000" dirty="0" smtClean="0"/>
@@ -14064,7 +14440,7 @@
         </p:nvSpPr>
         <p:spPr>
           <a:xfrm>
-            <a:off x="31586528" y="18937666"/>
+            <a:off x="31586528" y="19166265"/>
             <a:ext cx="11653495" cy="4401205"/>
           </a:xfrm>
           <a:prstGeom prst="rect">
@@ -14096,17 +14472,12 @@
             </a:r>
             <a:r>
               <a:rPr lang="en-US" sz="4000" dirty="0" smtClean="0"/>
-              <a:t>to(N </a:t>
+              <a:t>to (</a:t>
             </a:r>
             <a:r>
               <a:rPr lang="en-US" sz="4000" dirty="0" smtClean="0"/>
-              <a:t>by N filters</a:t>
+              <a:t>N by N filters) due to the nature of the weave convolution operator.</a:t>
             </a:r>
-            <a:r>
-              <a:rPr lang="en-US" sz="4000" dirty="0" smtClean="0"/>
-              <a:t>) due to the nature of the weave convolution operator.</a:t>
-            </a:r>
-            <a:endParaRPr lang="en-US" sz="4000" dirty="0" smtClean="0"/>
           </a:p>
           <a:p>
             <a:pPr marL="571500" indent="-571500">
@@ -14161,7 +14532,7 @@
             <p:nvPr/>
           </p:nvPicPr>
           <p:blipFill>
-            <a:blip r:embed="rId5">
+            <a:blip r:embed="rId7">
               <a:extLst>
                 <a:ext uri="{28A0092B-C50C-407E-A947-70E740481C1C}">
                   <a14:useLocalDpi xmlns:a14="http://schemas.microsoft.com/office/drawing/2010/main" val="0"/>
@@ -14260,7 +14631,19 @@
             <a:pPr algn="ctr"/>
             <a:r>
               <a:rPr lang="en-US" sz="6000" dirty="0" smtClean="0"/>
-              <a:t>Implementation in Google TensorFlow </a:t>
+              <a:t>Implementation </a:t>
+            </a:r>
+            <a:r>
+              <a:rPr lang="en-US" sz="6000" smtClean="0"/>
+              <a:t>in </a:t>
+            </a:r>
+            <a:r>
+              <a:rPr lang="en-US" sz="6000" smtClean="0"/>
+              <a:t>Google’s </a:t>
+            </a:r>
+            <a:r>
+              <a:rPr lang="en-US" sz="6000" dirty="0" smtClean="0"/>
+              <a:t>TensorFlow </a:t>
             </a:r>
             <a:endParaRPr lang="en-US" sz="6000" dirty="0"/>
           </a:p>
@@ -14275,7 +14658,7 @@
           <p:nvPr/>
         </p:nvPicPr>
         <p:blipFill rotWithShape="1">
-          <a:blip r:embed="rId6">
+          <a:blip r:embed="rId8">
             <a:extLst>
               <a:ext uri="{28A0092B-C50C-407E-A947-70E740481C1C}">
                 <a14:useLocalDpi xmlns:a14="http://schemas.microsoft.com/office/drawing/2010/main" val="0"/>
@@ -14446,13 +14829,13 @@
             </a:r>
             <a:r>
               <a:rPr lang="en-US" sz="3200" dirty="0">
-                <a:hlinkClick r:id="rId7"/>
+                <a:hlinkClick r:id="rId9"/>
               </a:rPr>
               <a:t>https://</a:t>
             </a:r>
             <a:r>
               <a:rPr lang="en-US" sz="3200" dirty="0" smtClean="0">
-                <a:hlinkClick r:id="rId7"/>
+                <a:hlinkClick r:id="rId9"/>
               </a:rPr>
               <a:t>www.youtube.com/watch?v=3vmlIGCUY60</a:t>
             </a:r>
@@ -14487,7 +14870,15 @@
           <a:p>
             <a:r>
               <a:rPr lang="en-US" sz="3200" dirty="0" smtClean="0"/>
-              <a:t>I would like to thank Dr. Subramanian  who has helped guide this project.</a:t>
+              <a:t>I would like to thank Dr. </a:t>
+            </a:r>
+            <a:r>
+              <a:rPr lang="en-US" sz="3200" dirty="0" smtClean="0"/>
+              <a:t>Subramanian </a:t>
+            </a:r>
+            <a:r>
+              <a:rPr lang="en-US" sz="3200" dirty="0" smtClean="0"/>
+              <a:t>who has helped guide this project.</a:t>
             </a:r>
           </a:p>
           <a:p>
@@ -14495,441 +14886,6 @@
           </a:p>
         </p:txBody>
       </p:sp>
-      <mc:AlternateContent xmlns:mc="http://schemas.openxmlformats.org/markup-compatibility/2006">
-        <mc:Choice xmlns:a14="http://schemas.microsoft.com/office/drawing/2010/main" Requires="a14">
-          <p:sp>
-            <p:nvSpPr>
-              <p:cNvPr id="26" name="TextBox 25"/>
-              <p:cNvSpPr txBox="1"/>
-              <p:nvPr/>
-            </p:nvSpPr>
-            <p:spPr>
-              <a:xfrm>
-                <a:off x="31206786" y="4718476"/>
-                <a:ext cx="12186133" cy="13041904"/>
-              </a:xfrm>
-              <a:prstGeom prst="rect">
-                <a:avLst/>
-              </a:prstGeom>
-              <a:noFill/>
-            </p:spPr>
-            <p:txBody>
-              <a:bodyPr wrap="square" rtlCol="0">
-                <a:spAutoFit/>
-              </a:bodyPr>
-              <a:lstStyle/>
-              <a:p>
-                <a:r>
-                  <a:rPr lang="en-US" sz="4000" dirty="0"/>
-                  <a:t>Unfortunately, due to time and budget constraints benchmark tests on CIFAR-10, CIFAR-100, and Image-Net datasets have not been preformed.</a:t>
-                </a:r>
-              </a:p>
-              <a:p>
-                <a:r>
-                  <a:rPr lang="en-US" sz="4000" dirty="0"/>
-                  <a:t>Tests will be completed by Fall 2019. </a:t>
-                </a:r>
-                <a:endParaRPr lang="en-US" sz="4000" dirty="0" smtClean="0"/>
-              </a:p>
-              <a:p>
-                <a:pPr marL="571500" indent="-571500">
-                  <a:buFont typeface="Arial" charset="0"/>
-                  <a:buChar char="•"/>
-                </a:pPr>
-                <a:r>
-                  <a:rPr lang="en-US" sz="4000" dirty="0" smtClean="0"/>
-                  <a:t>Theoretical Speed up without communication cost</a:t>
-                </a:r>
-              </a:p>
-              <a:p>
-                <a14:m>
-                  <m:oMathPara xmlns:m="http://schemas.openxmlformats.org/officeDocument/2006/math">
-                    <m:oMathParaPr>
-                      <m:jc m:val="centerGroup"/>
-                    </m:oMathParaPr>
-                    <m:oMath xmlns:m="http://schemas.openxmlformats.org/officeDocument/2006/math">
-                      <m:r>
-                        <a:rPr lang="en-US" sz="4000" i="1" smtClean="0">
-                          <a:latin typeface="Cambria Math" charset="0"/>
-                          <a:ea typeface="Cambria Math" charset="0"/>
-                          <a:cs typeface="Cambria Math" charset="0"/>
-                        </a:rPr>
-                        <m:t>≈</m:t>
-                      </m:r>
-                      <m:f>
-                        <m:fPr>
-                          <m:ctrlPr>
-                            <a:rPr lang="bg-BG" sz="4000" i="1" smtClean="0">
-                              <a:latin typeface="Cambria Math" charset="0"/>
-                            </a:rPr>
-                          </m:ctrlPr>
-                        </m:fPr>
-                        <m:num>
-                          <m:r>
-                            <a:rPr lang="en-US" sz="4000" b="0" i="1" smtClean="0">
-                              <a:latin typeface="Cambria Math" charset="0"/>
-                            </a:rPr>
-                            <m:t>1</m:t>
-                          </m:r>
-                        </m:num>
-                        <m:den>
-                          <m:f>
-                            <m:fPr>
-                              <m:ctrlPr>
-                                <a:rPr lang="bg-BG" sz="4000" i="1" smtClean="0">
-                                  <a:latin typeface="Cambria Math" charset="0"/>
-                                </a:rPr>
-                              </m:ctrlPr>
-                            </m:fPr>
-                            <m:num>
-                              <m:r>
-                                <a:rPr lang="en-US" sz="4000" b="0" i="1" smtClean="0">
-                                  <a:latin typeface="Cambria Math" charset="0"/>
-                                </a:rPr>
-                                <m:t>1</m:t>
-                              </m:r>
-                            </m:num>
-                            <m:den>
-                              <m:r>
-                                <a:rPr lang="en-US" sz="4000" b="0" i="1" smtClean="0">
-                                  <a:latin typeface="Cambria Math" charset="0"/>
-                                </a:rPr>
-                                <m:t>𝑁</m:t>
-                              </m:r>
-                            </m:den>
-                          </m:f>
-                          <m:r>
-                            <a:rPr lang="en-US" sz="4000" b="0" i="1" smtClean="0">
-                              <a:latin typeface="Cambria Math" charset="0"/>
-                            </a:rPr>
-                            <m:t>+</m:t>
-                          </m:r>
-                          <m:f>
-                            <m:fPr>
-                              <m:ctrlPr>
-                                <a:rPr lang="bg-BG" sz="4000" b="0" i="1" smtClean="0">
-                                  <a:latin typeface="Cambria Math" charset="0"/>
-                                </a:rPr>
-                              </m:ctrlPr>
-                            </m:fPr>
-                            <m:num>
-                              <m:r>
-                                <a:rPr lang="en-US" sz="4000" b="0" i="1" smtClean="0">
-                                  <a:latin typeface="Cambria Math" charset="0"/>
-                                </a:rPr>
-                                <m:t>1</m:t>
-                              </m:r>
-                            </m:num>
-                            <m:den>
-                              <m:r>
-                                <a:rPr lang="en-US" sz="4000" b="0" i="1" smtClean="0">
-                                  <a:latin typeface="Cambria Math" charset="0"/>
-                                </a:rPr>
-                                <m:t>𝑄</m:t>
-                              </m:r>
-                            </m:den>
-                          </m:f>
-                          <m:func>
-                            <m:funcPr>
-                              <m:ctrlPr>
-                                <a:rPr lang="en-US" sz="4000" b="0" i="1" smtClean="0">
-                                  <a:latin typeface="Cambria Math" charset="0"/>
-                                </a:rPr>
-                              </m:ctrlPr>
-                            </m:funcPr>
-                            <m:fName>
-                              <m:sSub>
-                                <m:sSubPr>
-                                  <m:ctrlPr>
-                                    <a:rPr lang="en-US" sz="4000" b="0" i="1" smtClean="0">
-                                      <a:latin typeface="Cambria Math" charset="0"/>
-                                    </a:rPr>
-                                  </m:ctrlPr>
-                                </m:sSubPr>
-                                <m:e>
-                                  <m:r>
-                                    <m:rPr>
-                                      <m:sty m:val="p"/>
-                                    </m:rPr>
-                                    <a:rPr lang="en-US" sz="4000" b="0" i="0" smtClean="0">
-                                      <a:latin typeface="Cambria Math" charset="0"/>
-                                    </a:rPr>
-                                    <m:t>log</m:t>
-                                  </m:r>
-                                </m:e>
-                                <m:sub>
-                                  <m:r>
-                                    <a:rPr lang="en-US" sz="4000" b="0" i="1" smtClean="0">
-                                      <a:latin typeface="Cambria Math" charset="0"/>
-                                    </a:rPr>
-                                    <m:t>2</m:t>
-                                  </m:r>
-                                </m:sub>
-                              </m:sSub>
-                            </m:fName>
-                            <m:e>
-                              <m:r>
-                                <a:rPr lang="en-US" sz="4000" b="0" i="1" smtClean="0">
-                                  <a:latin typeface="Cambria Math" charset="0"/>
-                                </a:rPr>
-                                <m:t>𝑁</m:t>
-                              </m:r>
-                            </m:e>
-                          </m:func>
-                        </m:den>
-                      </m:f>
-                    </m:oMath>
-                  </m:oMathPara>
-                </a14:m>
-                <a:endParaRPr lang="en-US" sz="4000" dirty="0" smtClean="0"/>
-              </a:p>
-              <a:p>
-                <a:r>
-                  <a:rPr lang="en-US" sz="2800" dirty="0" smtClean="0"/>
-                  <a:t>	Where N is the number of GPUs and Q is linear </a:t>
-                </a:r>
-                <a:r>
-                  <a:rPr lang="en-US" sz="2800" dirty="0"/>
-                  <a:t>(1 </a:t>
-                </a:r>
-                <a:r>
-                  <a:rPr lang="en-US" sz="2800" dirty="0" smtClean="0"/>
-                  <a:t>	computation </a:t>
-                </a:r>
-                <a:r>
-                  <a:rPr lang="en-US" sz="2800" dirty="0"/>
-                  <a:t>thread) </a:t>
-                </a:r>
-                <a:r>
-                  <a:rPr lang="en-US" sz="2800" dirty="0" smtClean="0"/>
-                  <a:t>execution speed.</a:t>
-                </a:r>
-              </a:p>
-              <a:p>
-                <a:pPr marL="571500" indent="-571500">
-                  <a:buFont typeface="Arial" charset="0"/>
-                  <a:buChar char="•"/>
-                </a:pPr>
-                <a:r>
-                  <a:rPr lang="en-US" sz="4000" dirty="0" smtClean="0"/>
-                  <a:t>Theoretical Speed with efficient communication</a:t>
-                </a:r>
-              </a:p>
-              <a:p>
-                <a14:m>
-                  <m:oMathPara xmlns:m="http://schemas.openxmlformats.org/officeDocument/2006/math">
-                    <m:oMathParaPr>
-                      <m:jc m:val="centerGroup"/>
-                    </m:oMathParaPr>
-                    <m:oMath xmlns:m="http://schemas.openxmlformats.org/officeDocument/2006/math">
-                      <m:r>
-                        <a:rPr lang="en-US" sz="4000" i="1" smtClean="0">
-                          <a:latin typeface="Cambria Math" charset="0"/>
-                          <a:ea typeface="Cambria Math" charset="0"/>
-                          <a:cs typeface="Cambria Math" charset="0"/>
-                        </a:rPr>
-                        <m:t>≈</m:t>
-                      </m:r>
-                      <m:f>
-                        <m:fPr>
-                          <m:ctrlPr>
-                            <a:rPr lang="bg-BG" sz="4000" i="1" smtClean="0">
-                              <a:latin typeface="Cambria Math" charset="0"/>
-                            </a:rPr>
-                          </m:ctrlPr>
-                        </m:fPr>
-                        <m:num>
-                          <m:r>
-                            <a:rPr lang="en-US" sz="4000" b="0" i="1" smtClean="0">
-                              <a:latin typeface="Cambria Math" charset="0"/>
-                            </a:rPr>
-                            <m:t>1</m:t>
-                          </m:r>
-                        </m:num>
-                        <m:den>
-                          <m:f>
-                            <m:fPr>
-                              <m:ctrlPr>
-                                <a:rPr lang="bg-BG" sz="4000" i="1" smtClean="0">
-                                  <a:latin typeface="Cambria Math" charset="0"/>
-                                </a:rPr>
-                              </m:ctrlPr>
-                            </m:fPr>
-                            <m:num>
-                              <m:r>
-                                <a:rPr lang="en-US" sz="4000" b="0" i="1" smtClean="0">
-                                  <a:latin typeface="Cambria Math" charset="0"/>
-                                </a:rPr>
-                                <m:t>1</m:t>
-                              </m:r>
-                            </m:num>
-                            <m:den>
-                              <m:r>
-                                <a:rPr lang="en-US" sz="4000" b="0" i="1" smtClean="0">
-                                  <a:latin typeface="Cambria Math" charset="0"/>
-                                </a:rPr>
-                                <m:t>𝑁</m:t>
-                              </m:r>
-                            </m:den>
-                          </m:f>
-                          <m:r>
-                            <a:rPr lang="en-US" sz="4000" b="0" i="1" smtClean="0">
-                              <a:latin typeface="Cambria Math" charset="0"/>
-                            </a:rPr>
-                            <m:t>+</m:t>
-                          </m:r>
-                          <m:f>
-                            <m:fPr>
-                              <m:ctrlPr>
-                                <a:rPr lang="bg-BG" sz="4000" b="0" i="1" smtClean="0">
-                                  <a:latin typeface="Cambria Math" charset="0"/>
-                                </a:rPr>
-                              </m:ctrlPr>
-                            </m:fPr>
-                            <m:num>
-                              <m:r>
-                                <a:rPr lang="en-US" sz="4000" b="0" i="1" smtClean="0">
-                                  <a:latin typeface="Cambria Math" charset="0"/>
-                                </a:rPr>
-                                <m:t>𝑇</m:t>
-                              </m:r>
-                            </m:num>
-                            <m:den>
-                              <m:r>
-                                <a:rPr lang="en-US" sz="4000" b="0" i="1" smtClean="0">
-                                  <a:latin typeface="Cambria Math" charset="0"/>
-                                </a:rPr>
-                                <m:t>𝑇</m:t>
-                              </m:r>
-                              <m:r>
-                                <a:rPr lang="en-US" sz="4000" b="0" i="1" smtClean="0">
-                                  <a:latin typeface="Cambria Math" charset="0"/>
-                                </a:rPr>
-                                <m:t>+</m:t>
-                              </m:r>
-                              <m:r>
-                                <a:rPr lang="en-US" sz="4000" b="0" i="1" smtClean="0">
-                                  <a:latin typeface="Cambria Math" charset="0"/>
-                                </a:rPr>
-                                <m:t>𝐶</m:t>
-                              </m:r>
-                            </m:den>
-                          </m:f>
-                          <m:func>
-                            <m:funcPr>
-                              <m:ctrlPr>
-                                <a:rPr lang="en-US" sz="4000" b="0" i="1" smtClean="0">
-                                  <a:latin typeface="Cambria Math" charset="0"/>
-                                </a:rPr>
-                              </m:ctrlPr>
-                            </m:funcPr>
-                            <m:fName>
-                              <m:sSub>
-                                <m:sSubPr>
-                                  <m:ctrlPr>
-                                    <a:rPr lang="en-US" sz="4000" b="0" i="1" smtClean="0">
-                                      <a:latin typeface="Cambria Math" charset="0"/>
-                                    </a:rPr>
-                                  </m:ctrlPr>
-                                </m:sSubPr>
-                                <m:e>
-                                  <m:r>
-                                    <m:rPr>
-                                      <m:sty m:val="p"/>
-                                    </m:rPr>
-                                    <a:rPr lang="en-US" sz="4000" b="0" i="0" smtClean="0">
-                                      <a:latin typeface="Cambria Math" charset="0"/>
-                                    </a:rPr>
-                                    <m:t>log</m:t>
-                                  </m:r>
-                                </m:e>
-                                <m:sub>
-                                  <m:r>
-                                    <a:rPr lang="en-US" sz="4000" b="0" i="1" smtClean="0">
-                                      <a:latin typeface="Cambria Math" charset="0"/>
-                                    </a:rPr>
-                                    <m:t>2</m:t>
-                                  </m:r>
-                                </m:sub>
-                              </m:sSub>
-                            </m:fName>
-                            <m:e>
-                              <m:r>
-                                <a:rPr lang="en-US" sz="4000" b="0" i="1" smtClean="0">
-                                  <a:latin typeface="Cambria Math" charset="0"/>
-                                </a:rPr>
-                                <m:t>𝑁</m:t>
-                              </m:r>
-                            </m:e>
-                          </m:func>
-                        </m:den>
-                      </m:f>
-                    </m:oMath>
-                  </m:oMathPara>
-                </a14:m>
-                <a:endParaRPr lang="en-US" sz="4000" dirty="0" smtClean="0"/>
-              </a:p>
-              <a:p>
-                <a:r>
-                  <a:rPr lang="en-US" sz="2800" dirty="0" smtClean="0"/>
-                  <a:t>	Where N is the number of GPUs, C is the linear (1 	computation thread) computation cost, and T is the linear 	communication time.</a:t>
-                </a:r>
-              </a:p>
-              <a:p>
-                <a:pPr marL="571500" indent="-571500">
-                  <a:buFont typeface="Arial" charset="0"/>
-                  <a:buChar char="•"/>
-                </a:pPr>
-                <a:r>
-                  <a:rPr lang="en-US" sz="4000" dirty="0" smtClean="0"/>
-                  <a:t>Promising results are expected because of the distributed communication. Each Array-Weave operator only needs to communicate with the two threads being combined. Conventional Parallel methods require communication overall threads.</a:t>
-                </a:r>
-              </a:p>
-              <a:p>
-                <a:endParaRPr lang="en-US" sz="4000" dirty="0" smtClean="0"/>
-              </a:p>
-            </p:txBody>
-          </p:sp>
-        </mc:Choice>
-        <mc:Fallback>
-          <p:sp>
-            <p:nvSpPr>
-              <p:cNvPr id="26" name="TextBox 25"/>
-              <p:cNvSpPr txBox="1">
-                <a:spLocks noRot="1" noChangeAspect="1" noMove="1" noResize="1" noEditPoints="1" noAdjustHandles="1" noChangeArrowheads="1" noChangeShapeType="1" noTextEdit="1"/>
-              </p:cNvSpPr>
-              <p:nvPr/>
-            </p:nvSpPr>
-            <p:spPr>
-              <a:xfrm>
-                <a:off x="31206786" y="4718476"/>
-                <a:ext cx="12186133" cy="13041904"/>
-              </a:xfrm>
-              <a:prstGeom prst="rect">
-                <a:avLst/>
-              </a:prstGeom>
-              <a:blipFill rotWithShape="0">
-                <a:blip r:embed="rId8"/>
-                <a:stretch>
-                  <a:fillRect l="-1751" t="-842" r="-400"/>
-                </a:stretch>
-              </a:blipFill>
-            </p:spPr>
-            <p:txBody>
-              <a:bodyPr/>
-              <a:lstStyle/>
-              <a:p>
-                <a:r>
-                  <a:rPr lang="en-US">
-                    <a:noFill/>
-                  </a:rPr>
-                  <a:t> </a:t>
-                </a:r>
-              </a:p>
-            </p:txBody>
-          </p:sp>
-        </mc:Fallback>
-      </mc:AlternateContent>
     </p:spTree>
     <p:extLst>
       <p:ext uri="{BB962C8B-B14F-4D97-AF65-F5344CB8AC3E}">
